--- a/ivyProjects/DocFactoryDemos/src/resources/myPowerPointTemplate.pptx
+++ b/ivyProjects/DocFactoryDemos/src/resources/myPowerPointTemplate.pptx
@@ -259,7 +259,7 @@
           <a:p>
             <a:fld id="{CD5C7205-471B-4BB4-A04B-CDCB5D55685C}" type="datetimeFigureOut">
               <a:rPr lang="en-US" smtClean="0"/>
-              <a:t>8/29/2019</a:t>
+              <a:t>10/30/2019</a:t>
             </a:fld>
             <a:endParaRPr lang="en-US"/>
           </a:p>
@@ -457,7 +457,7 @@
           <a:p>
             <a:fld id="{CD5C7205-471B-4BB4-A04B-CDCB5D55685C}" type="datetimeFigureOut">
               <a:rPr lang="en-US" smtClean="0"/>
-              <a:t>8/29/2019</a:t>
+              <a:t>10/30/2019</a:t>
             </a:fld>
             <a:endParaRPr lang="en-US"/>
           </a:p>
@@ -665,7 +665,7 @@
           <a:p>
             <a:fld id="{CD5C7205-471B-4BB4-A04B-CDCB5D55685C}" type="datetimeFigureOut">
               <a:rPr lang="en-US" smtClean="0"/>
-              <a:t>8/29/2019</a:t>
+              <a:t>10/30/2019</a:t>
             </a:fld>
             <a:endParaRPr lang="en-US"/>
           </a:p>
@@ -863,7 +863,7 @@
           <a:p>
             <a:fld id="{CD5C7205-471B-4BB4-A04B-CDCB5D55685C}" type="datetimeFigureOut">
               <a:rPr lang="en-US" smtClean="0"/>
-              <a:t>8/29/2019</a:t>
+              <a:t>10/30/2019</a:t>
             </a:fld>
             <a:endParaRPr lang="en-US"/>
           </a:p>
@@ -1138,7 +1138,7 @@
           <a:p>
             <a:fld id="{CD5C7205-471B-4BB4-A04B-CDCB5D55685C}" type="datetimeFigureOut">
               <a:rPr lang="en-US" smtClean="0"/>
-              <a:t>8/29/2019</a:t>
+              <a:t>10/30/2019</a:t>
             </a:fld>
             <a:endParaRPr lang="en-US"/>
           </a:p>
@@ -1403,7 +1403,7 @@
           <a:p>
             <a:fld id="{CD5C7205-471B-4BB4-A04B-CDCB5D55685C}" type="datetimeFigureOut">
               <a:rPr lang="en-US" smtClean="0"/>
-              <a:t>8/29/2019</a:t>
+              <a:t>10/30/2019</a:t>
             </a:fld>
             <a:endParaRPr lang="en-US"/>
           </a:p>
@@ -1815,7 +1815,7 @@
           <a:p>
             <a:fld id="{CD5C7205-471B-4BB4-A04B-CDCB5D55685C}" type="datetimeFigureOut">
               <a:rPr lang="en-US" smtClean="0"/>
-              <a:t>8/29/2019</a:t>
+              <a:t>10/30/2019</a:t>
             </a:fld>
             <a:endParaRPr lang="en-US"/>
           </a:p>
@@ -1956,7 +1956,7 @@
           <a:p>
             <a:fld id="{CD5C7205-471B-4BB4-A04B-CDCB5D55685C}" type="datetimeFigureOut">
               <a:rPr lang="en-US" smtClean="0"/>
-              <a:t>8/29/2019</a:t>
+              <a:t>10/30/2019</a:t>
             </a:fld>
             <a:endParaRPr lang="en-US"/>
           </a:p>
@@ -2069,7 +2069,7 @@
           <a:p>
             <a:fld id="{CD5C7205-471B-4BB4-A04B-CDCB5D55685C}" type="datetimeFigureOut">
               <a:rPr lang="en-US" smtClean="0"/>
-              <a:t>8/29/2019</a:t>
+              <a:t>10/30/2019</a:t>
             </a:fld>
             <a:endParaRPr lang="en-US"/>
           </a:p>
@@ -2380,7 +2380,7 @@
           <a:p>
             <a:fld id="{CD5C7205-471B-4BB4-A04B-CDCB5D55685C}" type="datetimeFigureOut">
               <a:rPr lang="en-US" smtClean="0"/>
-              <a:t>8/29/2019</a:t>
+              <a:t>10/30/2019</a:t>
             </a:fld>
             <a:endParaRPr lang="en-US"/>
           </a:p>
@@ -2668,7 +2668,7 @@
           <a:p>
             <a:fld id="{CD5C7205-471B-4BB4-A04B-CDCB5D55685C}" type="datetimeFigureOut">
               <a:rPr lang="en-US" smtClean="0"/>
-              <a:t>8/29/2019</a:t>
+              <a:t>10/30/2019</a:t>
             </a:fld>
             <a:endParaRPr lang="en-US"/>
           </a:p>
@@ -2909,7 +2909,7 @@
           <a:p>
             <a:fld id="{CD5C7205-471B-4BB4-A04B-CDCB5D55685C}" type="datetimeFigureOut">
               <a:rPr lang="en-US" smtClean="0"/>
-              <a:t>8/29/2019</a:t>
+              <a:t>10/30/2019</a:t>
             </a:fld>
             <a:endParaRPr lang="en-US"/>
           </a:p>
@@ -3340,8 +3340,8 @@
         </p:nvSpPr>
         <p:spPr>
           <a:xfrm>
-            <a:off x="790341" y="3534862"/>
-            <a:ext cx="1524456" cy="369332"/>
+            <a:off x="704873" y="3641746"/>
+            <a:ext cx="2399568" cy="369332"/>
           </a:xfrm>
           <a:prstGeom prst="rect">
             <a:avLst/>
@@ -3355,8 +3355,12 @@
           <a:lstStyle/>
           <a:p>
             <a:r>
+              <a:rPr lang="en-US" b="1"/>
+              <a:t>Your Personal Wish </a:t>
+            </a:r>
+            <a:r>
               <a:rPr lang="en-US" b="1" dirty="0"/>
-              <a:t>Your Wish List</a:t>
+              <a:t>List</a:t>
             </a:r>
             <a:endParaRPr lang="en-US" dirty="0"/>
           </a:p>
@@ -3516,12 +3520,15 @@
         </p:nvSpPr>
         <p:spPr>
           <a:xfrm>
-            <a:off x="790341" y="1450258"/>
+            <a:off x="758405" y="1433897"/>
             <a:ext cx="1556392" cy="1805595"/>
           </a:xfrm>
           <a:prstGeom prst="rect">
             <a:avLst/>
           </a:prstGeom>
+          <a:solidFill>
+            <a:schemeClr val="bg1"/>
+          </a:solidFill>
         </p:spPr>
         <p:style>
           <a:lnRef idx="2">
@@ -3545,7 +3552,11 @@
           <a:p>
             <a:pPr algn="ctr"/>
             <a:r>
-              <a:rPr lang="en-US" dirty="0"/>
+              <a:rPr lang="en-US" dirty="0">
+                <a:solidFill>
+                  <a:srgbClr val="C00000"/>
+                </a:solidFill>
+              </a:rPr>
               <a:t>{image}</a:t>
             </a:r>
           </a:p>
